--- a/images/posts/신규연구원편집.pptx
+++ b/images/posts/신규연구원편집.pptx
@@ -260,7 +260,7 @@
           <a:p>
             <a:fld id="{BD550DEB-B2D3-4932-8A91-2DDCF4EC5BCB}" type="datetimeFigureOut">
               <a:rPr lang="ko-KR" altLang="en-US" smtClean="0"/>
-              <a:t>2024-07-01</a:t>
+              <a:t>2024-07-08</a:t>
             </a:fld>
             <a:endParaRPr lang="ko-KR" altLang="en-US"/>
           </a:p>
@@ -458,7 +458,7 @@
           <a:p>
             <a:fld id="{BD550DEB-B2D3-4932-8A91-2DDCF4EC5BCB}" type="datetimeFigureOut">
               <a:rPr lang="ko-KR" altLang="en-US" smtClean="0"/>
-              <a:t>2024-07-01</a:t>
+              <a:t>2024-07-08</a:t>
             </a:fld>
             <a:endParaRPr lang="ko-KR" altLang="en-US"/>
           </a:p>
@@ -666,7 +666,7 @@
           <a:p>
             <a:fld id="{BD550DEB-B2D3-4932-8A91-2DDCF4EC5BCB}" type="datetimeFigureOut">
               <a:rPr lang="ko-KR" altLang="en-US" smtClean="0"/>
-              <a:t>2024-07-01</a:t>
+              <a:t>2024-07-08</a:t>
             </a:fld>
             <a:endParaRPr lang="ko-KR" altLang="en-US"/>
           </a:p>
@@ -864,7 +864,7 @@
           <a:p>
             <a:fld id="{BD550DEB-B2D3-4932-8A91-2DDCF4EC5BCB}" type="datetimeFigureOut">
               <a:rPr lang="ko-KR" altLang="en-US" smtClean="0"/>
-              <a:t>2024-07-01</a:t>
+              <a:t>2024-07-08</a:t>
             </a:fld>
             <a:endParaRPr lang="ko-KR" altLang="en-US"/>
           </a:p>
@@ -1139,7 +1139,7 @@
           <a:p>
             <a:fld id="{BD550DEB-B2D3-4932-8A91-2DDCF4EC5BCB}" type="datetimeFigureOut">
               <a:rPr lang="ko-KR" altLang="en-US" smtClean="0"/>
-              <a:t>2024-07-01</a:t>
+              <a:t>2024-07-08</a:t>
             </a:fld>
             <a:endParaRPr lang="ko-KR" altLang="en-US"/>
           </a:p>
@@ -1404,7 +1404,7 @@
           <a:p>
             <a:fld id="{BD550DEB-B2D3-4932-8A91-2DDCF4EC5BCB}" type="datetimeFigureOut">
               <a:rPr lang="ko-KR" altLang="en-US" smtClean="0"/>
-              <a:t>2024-07-01</a:t>
+              <a:t>2024-07-08</a:t>
             </a:fld>
             <a:endParaRPr lang="ko-KR" altLang="en-US"/>
           </a:p>
@@ -1816,7 +1816,7 @@
           <a:p>
             <a:fld id="{BD550DEB-B2D3-4932-8A91-2DDCF4EC5BCB}" type="datetimeFigureOut">
               <a:rPr lang="ko-KR" altLang="en-US" smtClean="0"/>
-              <a:t>2024-07-01</a:t>
+              <a:t>2024-07-08</a:t>
             </a:fld>
             <a:endParaRPr lang="ko-KR" altLang="en-US"/>
           </a:p>
@@ -1957,7 +1957,7 @@
           <a:p>
             <a:fld id="{BD550DEB-B2D3-4932-8A91-2DDCF4EC5BCB}" type="datetimeFigureOut">
               <a:rPr lang="ko-KR" altLang="en-US" smtClean="0"/>
-              <a:t>2024-07-01</a:t>
+              <a:t>2024-07-08</a:t>
             </a:fld>
             <a:endParaRPr lang="ko-KR" altLang="en-US"/>
           </a:p>
@@ -2070,7 +2070,7 @@
           <a:p>
             <a:fld id="{BD550DEB-B2D3-4932-8A91-2DDCF4EC5BCB}" type="datetimeFigureOut">
               <a:rPr lang="ko-KR" altLang="en-US" smtClean="0"/>
-              <a:t>2024-07-01</a:t>
+              <a:t>2024-07-08</a:t>
             </a:fld>
             <a:endParaRPr lang="ko-KR" altLang="en-US"/>
           </a:p>
@@ -2381,7 +2381,7 @@
           <a:p>
             <a:fld id="{BD550DEB-B2D3-4932-8A91-2DDCF4EC5BCB}" type="datetimeFigureOut">
               <a:rPr lang="ko-KR" altLang="en-US" smtClean="0"/>
-              <a:t>2024-07-01</a:t>
+              <a:t>2024-07-08</a:t>
             </a:fld>
             <a:endParaRPr lang="ko-KR" altLang="en-US"/>
           </a:p>
@@ -2669,7 +2669,7 @@
           <a:p>
             <a:fld id="{BD550DEB-B2D3-4932-8A91-2DDCF4EC5BCB}" type="datetimeFigureOut">
               <a:rPr lang="ko-KR" altLang="en-US" smtClean="0"/>
-              <a:t>2024-07-01</a:t>
+              <a:t>2024-07-08</a:t>
             </a:fld>
             <a:endParaRPr lang="ko-KR" altLang="en-US"/>
           </a:p>
@@ -2910,7 +2910,7 @@
           <a:p>
             <a:fld id="{BD550DEB-B2D3-4932-8A91-2DDCF4EC5BCB}" type="datetimeFigureOut">
               <a:rPr lang="ko-KR" altLang="en-US" smtClean="0"/>
-              <a:t>2024-07-01</a:t>
+              <a:t>2024-07-08</a:t>
             </a:fld>
             <a:endParaRPr lang="ko-KR" altLang="en-US"/>
           </a:p>
@@ -3363,44 +3363,8 @@
         </p:blipFill>
         <p:spPr>
           <a:xfrm>
-            <a:off x="643467" y="783167"/>
+            <a:off x="3450167" y="783167"/>
             <a:ext cx="5291666" cy="5291666"/>
-          </a:xfrm>
-          <a:prstGeom prst="rect">
-            <a:avLst/>
-          </a:prstGeom>
-        </p:spPr>
-      </p:pic>
-      <p:pic>
-        <p:nvPicPr>
-          <p:cNvPr id="5" name="그림 4" descr="인간의 얼굴, 사람, 입술, 눈썹이(가) 표시된 사진&#10;&#10;자동 생성된 설명">
-            <a:extLst>
-              <a:ext uri="{FF2B5EF4-FFF2-40B4-BE49-F238E27FC236}">
-                <a16:creationId xmlns:a16="http://schemas.microsoft.com/office/drawing/2014/main" id="{8C374896-9C27-A4F5-85AB-6EE4AD1A51E0}"/>
-              </a:ext>
-            </a:extLst>
-          </p:cNvPr>
-          <p:cNvPicPr>
-            <a:picLocks noChangeAspect="1"/>
-          </p:cNvPicPr>
-          <p:nvPr/>
-        </p:nvPicPr>
-        <p:blipFill>
-          <a:blip r:embed="rId3">
-            <a:extLst>
-              <a:ext uri="{28A0092B-C50C-407E-A947-70E740481C1C}">
-                <a14:useLocalDpi xmlns:a14="http://schemas.microsoft.com/office/drawing/2010/main" val="0"/>
-              </a:ext>
-            </a:extLst>
-          </a:blip>
-          <a:stretch>
-            <a:fillRect/>
-          </a:stretch>
-        </p:blipFill>
-        <p:spPr>
-          <a:xfrm>
-            <a:off x="6256865" y="783166"/>
-            <a:ext cx="5291667" cy="5291667"/>
           </a:xfrm>
           <a:prstGeom prst="rect">
             <a:avLst/>
@@ -3445,99 +3409,42 @@
           <a:chExt cx="0" cy="0"/>
         </a:xfrm>
       </p:grpSpPr>
-      <p:grpSp>
-        <p:nvGrpSpPr>
-          <p:cNvPr id="2" name="그룹 1">
-            <a:extLst>
-              <a:ext uri="{FF2B5EF4-FFF2-40B4-BE49-F238E27FC236}">
-                <a16:creationId xmlns:a16="http://schemas.microsoft.com/office/drawing/2014/main" id="{5C1D031D-DAF4-E911-9B92-C77E2CAFBD85}"/>
-              </a:ext>
-            </a:extLst>
-          </p:cNvPr>
-          <p:cNvGrpSpPr/>
+      <p:pic>
+        <p:nvPicPr>
+          <p:cNvPr id="7" name="그림 6" descr="인간의 얼굴, 사람, 턱, 목이(가) 표시된 사진&#10;&#10;자동 생성된 설명">
+            <a:extLst>
+              <a:ext uri="{FF2B5EF4-FFF2-40B4-BE49-F238E27FC236}">
+                <a16:creationId xmlns:a16="http://schemas.microsoft.com/office/drawing/2014/main" id="{F74DC09D-576C-1464-17C0-4F5CC70BE29A}"/>
+              </a:ext>
+            </a:extLst>
+          </p:cNvPr>
+          <p:cNvPicPr>
+            <a:picLocks noChangeAspect="1"/>
+          </p:cNvPicPr>
           <p:nvPr/>
-        </p:nvGrpSpPr>
-        <p:grpSpPr>
+        </p:nvPicPr>
+        <p:blipFill>
+          <a:blip r:embed="rId2">
+            <a:extLst>
+              <a:ext uri="{28A0092B-C50C-407E-A947-70E740481C1C}">
+                <a14:useLocalDpi xmlns:a14="http://schemas.microsoft.com/office/drawing/2010/main" val="0"/>
+              </a:ext>
+            </a:extLst>
+          </a:blip>
+          <a:stretch>
+            <a:fillRect/>
+          </a:stretch>
+        </p:blipFill>
+        <p:spPr>
           <a:xfrm>
-            <a:off x="2339147" y="1605993"/>
-            <a:ext cx="7513705" cy="3646014"/>
-            <a:chOff x="643467" y="783166"/>
-            <a:chExt cx="10905065" cy="5291667"/>
+            <a:off x="4272993" y="1605994"/>
+            <a:ext cx="3646014" cy="3646013"/>
           </a:xfrm>
-        </p:grpSpPr>
-        <p:pic>
-          <p:nvPicPr>
-            <p:cNvPr id="7" name="그림 6" descr="인간의 얼굴, 사람, 턱, 목이(가) 표시된 사진&#10;&#10;자동 생성된 설명">
-              <a:extLst>
-                <a:ext uri="{FF2B5EF4-FFF2-40B4-BE49-F238E27FC236}">
-                  <a16:creationId xmlns:a16="http://schemas.microsoft.com/office/drawing/2014/main" id="{F74DC09D-576C-1464-17C0-4F5CC70BE29A}"/>
-                </a:ext>
-              </a:extLst>
-            </p:cNvPr>
-            <p:cNvPicPr>
-              <a:picLocks noChangeAspect="1"/>
-            </p:cNvPicPr>
-            <p:nvPr/>
-          </p:nvPicPr>
-          <p:blipFill>
-            <a:blip r:embed="rId2">
-              <a:extLst>
-                <a:ext uri="{28A0092B-C50C-407E-A947-70E740481C1C}">
-                  <a14:useLocalDpi xmlns:a14="http://schemas.microsoft.com/office/drawing/2010/main" val="0"/>
-                </a:ext>
-              </a:extLst>
-            </a:blip>
-            <a:stretch>
-              <a:fillRect/>
-            </a:stretch>
-          </p:blipFill>
-          <p:spPr>
-            <a:xfrm>
-              <a:off x="643467" y="783167"/>
-              <a:ext cx="5291666" cy="5291666"/>
-            </a:xfrm>
-            <a:prstGeom prst="rect">
-              <a:avLst/>
-            </a:prstGeom>
-          </p:spPr>
-        </p:pic>
-        <p:pic>
-          <p:nvPicPr>
-            <p:cNvPr id="5" name="그림 4" descr="인간의 얼굴, 사람, 입술, 눈썹이(가) 표시된 사진&#10;&#10;자동 생성된 설명">
-              <a:extLst>
-                <a:ext uri="{FF2B5EF4-FFF2-40B4-BE49-F238E27FC236}">
-                  <a16:creationId xmlns:a16="http://schemas.microsoft.com/office/drawing/2014/main" id="{8C374896-9C27-A4F5-85AB-6EE4AD1A51E0}"/>
-                </a:ext>
-              </a:extLst>
-            </p:cNvPr>
-            <p:cNvPicPr>
-              <a:picLocks noChangeAspect="1"/>
-            </p:cNvPicPr>
-            <p:nvPr/>
-          </p:nvPicPr>
-          <p:blipFill>
-            <a:blip r:embed="rId3">
-              <a:extLst>
-                <a:ext uri="{28A0092B-C50C-407E-A947-70E740481C1C}">
-                  <a14:useLocalDpi xmlns:a14="http://schemas.microsoft.com/office/drawing/2010/main" val="0"/>
-                </a:ext>
-              </a:extLst>
-            </a:blip>
-            <a:stretch>
-              <a:fillRect/>
-            </a:stretch>
-          </p:blipFill>
-          <p:spPr>
-            <a:xfrm>
-              <a:off x="6256865" y="783166"/>
-              <a:ext cx="5291667" cy="5291667"/>
-            </a:xfrm>
-            <a:prstGeom prst="rect">
-              <a:avLst/>
-            </a:prstGeom>
-          </p:spPr>
-        </p:pic>
-      </p:grpSp>
+          <a:prstGeom prst="rect">
+            <a:avLst/>
+          </a:prstGeom>
+        </p:spPr>
+      </p:pic>
     </p:spTree>
     <p:extLst>
       <p:ext uri="{BB962C8B-B14F-4D97-AF65-F5344CB8AC3E}">
